--- a/ict_report/src/bjs/JSP 처리의 이해 배진석.pptx
+++ b/ict_report/src/bjs/JSP 처리의 이해 배진석.pptx
@@ -2,7 +2,7 @@
 <file path=ppt/presentation.xml><?xml version="1.0" encoding="utf-8"?>
 <p:presentation xmlns:a="http://schemas.openxmlformats.org/drawingml/2006/main" xmlns:r="http://schemas.openxmlformats.org/officeDocument/2006/relationships" xmlns:p="http://schemas.openxmlformats.org/presentationml/2006/main" xmlns:p14="http://schemas.microsoft.com/office/powerpoint/2010/main" saveSubsetFonts="1">
   <p:sldMasterIdLst>
-    <p:sldMasterId id="2147483689" r:id="rId14"/>
+    <p:sldMasterId id="2147483692" r:id="rId14"/>
   </p:sldMasterIdLst>
   <p:notesMasterIdLst>
     <p:notesMasterId r:id="rId16"/>
@@ -142,7 +142,7 @@
   <p:extLst>
     <p:ext uri="{EFAFB233-063F-42B5-8137-9DF3F51BA10A}">
       <p15:sldGuideLst xmlns:p15="http://schemas.microsoft.com/office/powerpoint/2012/main">
-        <p15:guide id="1" orient="horz" pos="2155" userDrawn="1">
+        <p15:guide id="1" orient="horz" pos="2154" userDrawn="1">
           <p15:clr>
             <a:srgbClr val="A4A3A4"/>
           </p15:clr>
@@ -4313,10 +4313,10 @@
         </p:nvGrpSpPr>
         <p:grpSpPr>
           <a:xfrm>
-            <a:off x="6506210" y="3834765"/>
-            <a:ext cx="1144905" cy="883920"/>
-            <a:chOff x="6506210" y="3834765"/>
-            <a:chExt cx="1144905" cy="883920"/>
+            <a:off x="6485255" y="3834765"/>
+            <a:ext cx="1186180" cy="1194435"/>
+            <a:chOff x="6485255" y="3834765"/>
+            <a:chExt cx="1186180" cy="1194435"/>
           </a:xfrm>
         </p:grpSpPr>
         <p:sp>
@@ -4329,8 +4329,8 @@
           </p:nvSpPr>
           <p:spPr bwMode="auto">
             <a:xfrm rot="0">
-              <a:off x="6485255" y="4107180"/>
-              <a:ext cx="1186815" cy="645795"/>
+              <a:off x="6320155" y="4107180"/>
+              <a:ext cx="1517015" cy="922655"/>
             </a:xfrm>
             <a:prstGeom prst="rect"/>
             <a:noFill/>
@@ -4370,6 +4370,41 @@
                   <a:ea typeface="맑은 고딕" charset="0"/>
                 </a:rPr>
                 <a:t>- JSP처리 그림</a:t>
+              </a:r>
+              <a:endParaRPr lang="ko-KR" altLang="en-US" sz="1200" cap="none" dirty="0" smtClean="0" b="0" strike="noStrike">
+                <a:solidFill>
+                  <a:schemeClr val="bg1"/>
+                </a:solidFill>
+                <a:latin typeface="맑은 고딕" charset="0"/>
+                <a:ea typeface="맑은 고딕" charset="0"/>
+              </a:endParaRPr>
+            </a:p>
+            <a:p>
+              <a:pPr marL="0" indent="0" algn="ctr" fontAlgn="base" defTabSz="914400" eaLnBrk="0" latinLnBrk="0">
+                <a:lnSpc>
+                  <a:spcPct val="150000"/>
+                </a:lnSpc>
+                <a:spcBef>
+                  <a:spcPts val="0"/>
+                </a:spcBef>
+                <a:spcAft>
+                  <a:spcPts val="0"/>
+                </a:spcAft>
+                <a:buFontTx/>
+                <a:buNone/>
+                <a:tabLst>
+                  <a:tab pos="628650" algn="l"/>
+                </a:tabLst>
+              </a:pPr>
+              <a:r>
+                <a:rPr lang="en-US" altLang="ko-KR" sz="1200" cap="none" dirty="0" smtClean="0" b="0" strike="noStrike">
+                  <a:solidFill>
+                    <a:schemeClr val="bg1"/>
+                  </a:solidFill>
+                  <a:latin typeface="맑은 고딕" charset="0"/>
+                  <a:ea typeface="맑은 고딕" charset="0"/>
+                </a:rPr>
+                <a:t>-servlet이 없는경우</a:t>
               </a:r>
               <a:endParaRPr lang="ko-KR" altLang="en-US" sz="1200" cap="none" dirty="0" smtClean="0" b="0" strike="noStrike">
                 <a:solidFill>
@@ -4427,7 +4462,7 @@
           <p:spPr bwMode="auto">
             <a:xfrm rot="0">
               <a:off x="6791325" y="3834765"/>
-              <a:ext cx="488315" cy="277495"/>
+              <a:ext cx="488315" cy="278130"/>
             </a:xfrm>
             <a:prstGeom prst="rect"/>
             <a:noFill/>
@@ -4563,7 +4598,7 @@
 </file>
 
 <file path=ppt/slides/slide2.xml><?xml version="1.0" encoding="utf-8"?>
-<p:sld xmlns:a="http://schemas.openxmlformats.org/drawingml/2006/main" xmlns:r="http://schemas.openxmlformats.org/officeDocument/2006/relationships" xmlns:p="http://schemas.openxmlformats.org/presentationml/2006/main">
+<p:sld xmlns:a="http://schemas.openxmlformats.org/drawingml/2006/main" xmlns:r="http://schemas.openxmlformats.org/officeDocument/2006/relationships" xmlns:p="http://schemas.openxmlformats.org/presentationml/2006/main" xmlns:p14="http://schemas.microsoft.com/office/powerpoint/2010/main">
   <p:cSld>
     <p:spTree>
       <p:nvGrpSpPr>
@@ -4668,7 +4703,7 @@
         </p:nvSpPr>
         <p:spPr>
           <a:xfrm>
-            <a:off x="2042160" y="2532033"/>
+            <a:off x="2042160" y="2531745"/>
             <a:ext cx="1687830" cy="804545"/>
           </a:xfrm>
           <a:prstGeom prst="roundRect">
@@ -4760,7 +4795,7 @@
         </p:nvSpPr>
         <p:spPr>
           <a:xfrm>
-            <a:off x="6166802" y="2510258"/>
+            <a:off x="6166485" y="2510155"/>
             <a:ext cx="1849120" cy="805815"/>
           </a:xfrm>
           <a:prstGeom prst="roundRect">
@@ -4825,13 +4860,11 @@
           <p:nvPr/>
         </p:nvSpPr>
         <p:spPr>
-          <a:xfrm>
-            <a:off x="4315460" y="2532033"/>
-            <a:ext cx="1384935" cy="782769"/>
+          <a:xfrm rot="0">
+            <a:off x="4315460" y="2531745"/>
+            <a:ext cx="1385570" cy="783590"/>
           </a:xfrm>
-          <a:prstGeom prst="roundRect">
-            <a:avLst/>
-          </a:prstGeom>
+          <a:prstGeom prst="roundRect"/>
         </p:spPr>
         <p:style>
           <a:lnRef idx="2">
@@ -4850,12 +4883,12 @@
           </a:fontRef>
         </p:style>
         <p:txBody>
-          <a:bodyPr vert="horz" wrap="square" lIns="91440" tIns="45720" rIns="91440" bIns="45720" anchor="ctr">
+          <a:bodyPr wrap="square" lIns="91440" tIns="45720" rIns="91440" bIns="45720" numCol="1" vert="horz" anchor="ctr">
             <a:noAutofit/>
           </a:bodyPr>
           <a:lstStyle/>
           <a:p>
-            <a:pPr marL="0" indent="0" algn="ctr" defTabSz="508000" fontAlgn="auto">
+            <a:pPr marL="0" indent="0" algn="ctr" fontAlgn="auto" defTabSz="508000" eaLnBrk="0" latinLnBrk="0">
               <a:lnSpc>
                 <a:spcPct val="100000"/>
               </a:lnSpc>
@@ -4869,13 +4902,13 @@
               <a:buNone/>
             </a:pPr>
             <a:r>
-              <a:rPr lang="en-US" altLang="ko-KR" sz="1800" b="0" strike="noStrike" cap="none" dirty="0" smtClean="0">
+              <a:rPr lang="en-US" altLang="ko-KR" sz="1800" cap="none" dirty="0" smtClean="0" b="0" strike="noStrike">
                 <a:latin typeface="맑은 고딕" charset="0"/>
                 <a:ea typeface="맑은 고딕" charset="0"/>
               </a:rPr>
               <a:t>웹 서버</a:t>
             </a:r>
-            <a:endParaRPr lang="ko-KR" altLang="en-US" sz="1800" b="0" strike="noStrike" cap="none" dirty="0" smtClean="0">
+            <a:endParaRPr lang="ko-KR" altLang="en-US" sz="1800" cap="none" dirty="0" smtClean="0" b="0" strike="noStrike">
               <a:latin typeface="맑은 고딕" charset="0"/>
               <a:ea typeface="맑은 고딕" charset="0"/>
             </a:endParaRPr>
@@ -5024,8 +5057,8 @@
         </p:nvSpPr>
         <p:spPr>
           <a:xfrm>
-            <a:off x="168910" y="2532033"/>
-            <a:ext cx="1385570" cy="782769"/>
+            <a:off x="168910" y="2531745"/>
+            <a:ext cx="1385570" cy="782955"/>
           </a:xfrm>
           <a:prstGeom prst="roundRect">
             <a:avLst/>
@@ -5097,8 +5130,8 @@
         </p:nvSpPr>
         <p:spPr>
           <a:xfrm>
-            <a:off x="824500" y="1882188"/>
-            <a:ext cx="1884343" cy="462947"/>
+            <a:off x="824230" y="1882140"/>
+            <a:ext cx="1884045" cy="462915"/>
           </a:xfrm>
           <a:prstGeom prst="rect">
             <a:avLst/>
@@ -5193,23 +5226,18 @@
           <p:nvPr/>
         </p:nvCxnSpPr>
         <p:spPr>
-          <a:xfrm>
-            <a:off x="1536065" y="2769236"/>
-            <a:ext cx="526415" cy="3857"/>
+          <a:xfrm rot="0">
+            <a:off x="1536065" y="2769235"/>
+            <a:ext cx="527050" cy="4445"/>
           </a:xfrm>
-          <a:prstGeom prst="straightConnector1">
-            <a:avLst/>
-          </a:prstGeom>
+          <a:prstGeom prst="straightConnector1"/>
           <a:ln w="9525" cap="flat" cmpd="sng">
             <a:solidFill>
-              <a:schemeClr val="accent4">
-                <a:lumMod val="75000"/>
-                <a:lumOff val="0"/>
+              <a:srgbClr val="4D009A">
                 <a:alpha val="100000"/>
-              </a:schemeClr>
+              </a:srgbClr>
             </a:solidFill>
             <a:prstDash val="solid"/>
-            <a:headEnd type="none" w="med" len="med"/>
             <a:tailEnd type="triangle" w="med" len="med"/>
           </a:ln>
         </p:spPr>
@@ -5237,24 +5265,18 @@
           <p:nvPr/>
         </p:nvCxnSpPr>
         <p:spPr>
-          <a:xfrm flipV="1">
-            <a:off x="1766672" y="2345135"/>
-            <a:ext cx="0" cy="427960"/>
+          <a:xfrm rot="0" flipV="1">
+            <a:off x="1766570" y="2345055"/>
+            <a:ext cx="635" cy="428625"/>
           </a:xfrm>
-          <a:prstGeom prst="line">
-            <a:avLst/>
-          </a:prstGeom>
+          <a:prstGeom prst="line"/>
           <a:ln w="9525" cap="flat" cmpd="sng">
             <a:solidFill>
-              <a:schemeClr val="accent4">
-                <a:lumMod val="75000"/>
-                <a:lumOff val="0"/>
+              <a:srgbClr val="4D009A">
                 <a:alpha val="100000"/>
-              </a:schemeClr>
+              </a:srgbClr>
             </a:solidFill>
             <a:prstDash val="solid"/>
-            <a:headEnd type="none" w="med" len="med"/>
-            <a:tailEnd type="none" w="med" len="med"/>
           </a:ln>
         </p:spPr>
         <p:style>
@@ -5279,13 +5301,11 @@
           <p:nvPr/>
         </p:nvCxnSpPr>
         <p:spPr>
-          <a:xfrm flipV="1">
-            <a:off x="3723640" y="2741295"/>
-            <a:ext cx="591820" cy="10160"/>
+          <a:xfrm rot="0" flipV="1">
+            <a:off x="3723639" y="2741295"/>
+            <a:ext cx="592455" cy="10795"/>
           </a:xfrm>
-          <a:prstGeom prst="straightConnector1">
-            <a:avLst/>
-          </a:prstGeom>
+          <a:prstGeom prst="straightConnector1"/>
           <a:ln w="9525" cap="flat" cmpd="sng">
             <a:solidFill>
               <a:srgbClr val="4D009A">
@@ -5293,7 +5313,6 @@
               </a:srgbClr>
             </a:solidFill>
             <a:prstDash val="solid"/>
-            <a:headEnd type="none" w="med" len="med"/>
             <a:tailEnd type="triangle" w="med" len="med"/>
           </a:ln>
         </p:spPr>
@@ -5319,23 +5338,18 @@
           <p:nvPr/>
         </p:nvCxnSpPr>
         <p:spPr>
-          <a:xfrm>
+          <a:xfrm rot="0">
             <a:off x="5723255" y="2759075"/>
-            <a:ext cx="462915" cy="11430"/>
+            <a:ext cx="463550" cy="12065"/>
           </a:xfrm>
-          <a:prstGeom prst="straightConnector1">
-            <a:avLst/>
-          </a:prstGeom>
+          <a:prstGeom prst="straightConnector1"/>
           <a:ln w="9525" cap="flat" cmpd="sng">
             <a:solidFill>
-              <a:schemeClr val="accent4">
-                <a:lumMod val="75000"/>
-                <a:lumOff val="0"/>
+              <a:srgbClr val="4D009A">
                 <a:alpha val="100000"/>
-              </a:schemeClr>
+              </a:srgbClr>
             </a:solidFill>
             <a:prstDash val="solid"/>
-            <a:headEnd type="none" w="med" len="med"/>
             <a:tailEnd type="triangle" w="med" len="med"/>
           </a:ln>
         </p:spPr>
@@ -5365,8 +5379,8 @@
         </p:nvCxnSpPr>
         <p:spPr>
           <a:xfrm rot="5400000">
-            <a:off x="4920032" y="2454009"/>
-            <a:ext cx="1309267" cy="3033394"/>
+            <a:off x="4919980" y="2454275"/>
+            <a:ext cx="1309370" cy="3033395"/>
           </a:xfrm>
           <a:prstGeom prst="bentConnector3">
             <a:avLst>
@@ -5453,8 +5467,8 @@
         </p:nvCxnSpPr>
         <p:spPr>
           <a:xfrm flipV="1">
-            <a:off x="7995285" y="2913166"/>
-            <a:ext cx="20637" cy="2264307"/>
+            <a:off x="7995285" y="2913380"/>
+            <a:ext cx="20320" cy="2264410"/>
           </a:xfrm>
           <a:prstGeom prst="bentConnector3">
             <a:avLst>
@@ -5540,7 +5554,7 @@
         <p:spPr>
           <a:xfrm flipH="1">
             <a:off x="3723640" y="3134360"/>
-            <a:ext cx="581026" cy="635"/>
+            <a:ext cx="581025" cy="635"/>
           </a:xfrm>
           <a:prstGeom prst="straightConnector1">
             <a:avLst/>
@@ -5580,13 +5594,11 @@
           <p:nvPr/>
         </p:nvCxnSpPr>
         <p:spPr>
-          <a:xfrm flipH="1" flipV="1">
-            <a:off x="1536065" y="3100801"/>
-            <a:ext cx="509270" cy="15779"/>
+          <a:xfrm rot="0" flipH="1">
+            <a:off x="1553845" y="3116580"/>
+            <a:ext cx="492125" cy="18415"/>
           </a:xfrm>
-          <a:prstGeom prst="straightConnector1">
-            <a:avLst/>
-          </a:prstGeom>
+          <a:prstGeom prst="straightConnector1"/>
           <a:ln w="9525" cap="flat" cmpd="sng">
             <a:solidFill>
               <a:schemeClr val="accent1">
@@ -6180,17 +6192,13 @@
           <p:nvPr/>
         </p:nvCxnSpPr>
         <p:spPr>
-          <a:xfrm>
+          <a:xfrm rot="0">
             <a:off x="5001895" y="2413000"/>
-            <a:ext cx="6033" cy="119033"/>
+            <a:ext cx="6350" cy="119380"/>
           </a:xfrm>
-          <a:prstGeom prst="line">
-            <a:avLst/>
-          </a:prstGeom>
+          <a:prstGeom prst="line"/>
           <a:ln w="9525" cap="flat" cmpd="sng">
             <a:prstDash/>
-            <a:headEnd type="none" w="med" len="med"/>
-            <a:tailEnd type="none" w="med" len="med"/>
           </a:ln>
         </p:spPr>
         <p:style>
@@ -6219,8 +6227,8 @@
         </p:nvCxnSpPr>
         <p:spPr>
           <a:xfrm flipH="1">
-            <a:off x="7091362" y="2118995"/>
-            <a:ext cx="1" cy="391263"/>
+            <a:off x="7091045" y="2118995"/>
+            <a:ext cx="0" cy="391160"/>
           </a:xfrm>
           <a:prstGeom prst="line">
             <a:avLst/>
@@ -6286,11 +6294,11 @@
   <p:clrMapOvr>
     <a:masterClrMapping/>
   </p:clrMapOvr>
-  <mc:AlternateContent xmlns:mc="http://schemas.openxmlformats.org/markup-compatibility/2006" xmlns:p14="http://schemas.microsoft.com/office/powerpoint/2010/main">
-    <mc:Choice Requires="p14">
+  <mc:AlternateContent xmlns:mc="http://schemas.openxmlformats.org/markup-compatibility/2006">
+    <mc:Choice xmlns:p14="http://schemas.microsoft.com/office/powerpoint/2010/main" Requires="p14">
       <p:transition spd="slow" p14:dur="2000"/>
     </mc:Choice>
-    <mc:Fallback xmlns="">
+    <mc:Fallback>
       <p:transition spd="slow"/>
     </mc:Fallback>
   </mc:AlternateContent>
